--- a/windbg-brownbag/docs/WinDbg.pptx
+++ b/windbg-brownbag/docs/WinDbg.pptx
@@ -135,6 +135,10 @@
 </p:presentation>
 </file>
 
+<file path=ppt/revisionInfo.xml><?xml version="1.0" encoding="utf-8"?>
+<p1510:revInfo xmlns:a="http://schemas.openxmlformats.org/drawingml/2006/main" xmlns:r="http://schemas.openxmlformats.org/officeDocument/2006/relationships" xmlns:p1510="http://schemas.microsoft.com/office/powerpoint/2015/10/main"/>
+</file>
+
 <file path=ppt/notesMasters/notesMaster1.xml><?xml version="1.0" encoding="utf-8"?>
 <p:notesMaster xmlns:a="http://schemas.openxmlformats.org/drawingml/2006/main" xmlns:r="http://schemas.openxmlformats.org/officeDocument/2006/relationships" xmlns:p="http://schemas.openxmlformats.org/presentationml/2006/main">
   <p:cSld>
@@ -217,7 +221,7 @@
           <a:p>
             <a:fld id="{5D51D264-0AF9-4233-95F9-D0F5D5A81736}" type="datetimeFigureOut">
               <a:rPr lang="en-AU" smtClean="0"/>
-              <a:t>21/04/2018</a:t>
+              <a:t>28/05/2018</a:t>
             </a:fld>
             <a:endParaRPr lang="en-AU"/>
           </a:p>
@@ -3058,37 +3062,6 @@
               <a:defRPr/>
             </a:pPr>
             <a:r>
-              <a:rPr lang="en-AU" sz="1200" kern="1200" dirty="0">
-                <a:solidFill>
-                  <a:schemeClr val="tx1"/>
-                </a:solidFill>
-                <a:effectLst/>
-                <a:latin typeface="+mn-lt"/>
-                <a:ea typeface="+mn-ea"/>
-                <a:cs typeface="+mn-cs"/>
-              </a:rPr>
-              <a:t>Available memory especially when cloning process.</a:t>
-            </a:r>
-          </a:p>
-          <a:p>
-            <a:pPr marL="171450" marR="0" lvl="0" indent="-171450" algn="l" defTabSz="914400" rtl="0" eaLnBrk="1" fontAlgn="auto" latinLnBrk="0" hangingPunct="1">
-              <a:lnSpc>
-                <a:spcPct val="100000"/>
-              </a:lnSpc>
-              <a:spcBef>
-                <a:spcPts val="0"/>
-              </a:spcBef>
-              <a:spcAft>
-                <a:spcPts val="0"/>
-              </a:spcAft>
-              <a:buClrTx/>
-              <a:buSzTx/>
-              <a:buFont typeface="Arial" panose="020B0604020202020204" pitchFamily="34" charset="0"/>
-              <a:buChar char="•"/>
-              <a:tabLst/>
-              <a:defRPr/>
-            </a:pPr>
-            <a:r>
               <a:rPr lang="en-AU" sz="1200" b="1" kern="1200" dirty="0">
                 <a:solidFill>
                   <a:srgbClr val="FFFF00"/>
@@ -5062,7 +5035,7 @@
             <a:fld id="{B61BEF0D-F0BB-DE4B-95CE-6DB70DBA9567}" type="datetimeFigureOut">
               <a:rPr lang="en-US" dirty="0"/>
               <a:pPr/>
-              <a:t>4/21/2018</a:t>
+              <a:t>5/28/2018</a:t>
             </a:fld>
             <a:endParaRPr lang="en-US" dirty="0"/>
           </a:p>
@@ -5350,7 +5323,7 @@
             <a:fld id="{B61BEF0D-F0BB-DE4B-95CE-6DB70DBA9567}" type="datetimeFigureOut">
               <a:rPr lang="en-US" dirty="0"/>
               <a:pPr/>
-              <a:t>4/21/2018</a:t>
+              <a:t>5/28/2018</a:t>
             </a:fld>
             <a:endParaRPr lang="en-US" dirty="0"/>
           </a:p>
@@ -5606,7 +5579,7 @@
             <a:fld id="{B61BEF0D-F0BB-DE4B-95CE-6DB70DBA9567}" type="datetimeFigureOut">
               <a:rPr lang="en-US" dirty="0"/>
               <a:pPr/>
-              <a:t>4/21/2018</a:t>
+              <a:t>5/28/2018</a:t>
             </a:fld>
             <a:endParaRPr lang="en-US" dirty="0"/>
           </a:p>
@@ -6072,7 +6045,7 @@
             <a:fld id="{B61BEF0D-F0BB-DE4B-95CE-6DB70DBA9567}" type="datetimeFigureOut">
               <a:rPr lang="en-US" dirty="0"/>
               <a:pPr/>
-              <a:t>4/21/2018</a:t>
+              <a:t>5/28/2018</a:t>
             </a:fld>
             <a:endParaRPr lang="en-US" dirty="0"/>
           </a:p>
@@ -6249,7 +6222,7 @@
             <a:fld id="{B61BEF0D-F0BB-DE4B-95CE-6DB70DBA9567}" type="datetimeFigureOut">
               <a:rPr lang="en-US" dirty="0"/>
               <a:pPr/>
-              <a:t>4/21/2018</a:t>
+              <a:t>5/28/2018</a:t>
             </a:fld>
             <a:endParaRPr lang="en-US" dirty="0"/>
           </a:p>
@@ -6822,7 +6795,7 @@
             <a:fld id="{B61BEF0D-F0BB-DE4B-95CE-6DB70DBA9567}" type="datetimeFigureOut">
               <a:rPr lang="en-US" dirty="0"/>
               <a:pPr/>
-              <a:t>4/21/2018</a:t>
+              <a:t>5/28/2018</a:t>
             </a:fld>
             <a:endParaRPr lang="en-US" dirty="0"/>
           </a:p>
@@ -7151,7 +7124,7 @@
             <a:fld id="{B61BEF0D-F0BB-DE4B-95CE-6DB70DBA9567}" type="datetimeFigureOut">
               <a:rPr lang="en-US" dirty="0"/>
               <a:pPr/>
-              <a:t>4/21/2018</a:t>
+              <a:t>5/28/2018</a:t>
             </a:fld>
             <a:endParaRPr lang="en-US" dirty="0"/>
           </a:p>
@@ -7323,7 +7296,7 @@
             <a:fld id="{B61BEF0D-F0BB-DE4B-95CE-6DB70DBA9567}" type="datetimeFigureOut">
               <a:rPr lang="en-US" dirty="0"/>
               <a:pPr/>
-              <a:t>4/21/2018</a:t>
+              <a:t>5/28/2018</a:t>
             </a:fld>
             <a:endParaRPr lang="en-US" dirty="0"/>
           </a:p>
@@ -7500,7 +7473,7 @@
             <a:fld id="{B61BEF0D-F0BB-DE4B-95CE-6DB70DBA9567}" type="datetimeFigureOut">
               <a:rPr lang="en-US" dirty="0"/>
               <a:pPr/>
-              <a:t>4/21/2018</a:t>
+              <a:t>5/28/2018</a:t>
             </a:fld>
             <a:endParaRPr lang="en-US" dirty="0"/>
           </a:p>
@@ -7667,7 +7640,7 @@
             <a:fld id="{B61BEF0D-F0BB-DE4B-95CE-6DB70DBA9567}" type="datetimeFigureOut">
               <a:rPr lang="en-US" dirty="0"/>
               <a:pPr/>
-              <a:t>4/21/2018</a:t>
+              <a:t>5/28/2018</a:t>
             </a:fld>
             <a:endParaRPr lang="en-US" dirty="0"/>
           </a:p>
@@ -7921,7 +7894,7 @@
             <a:fld id="{B61BEF0D-F0BB-DE4B-95CE-6DB70DBA9567}" type="datetimeFigureOut">
               <a:rPr lang="en-US" dirty="0"/>
               <a:pPr/>
-              <a:t>4/21/2018</a:t>
+              <a:t>5/28/2018</a:t>
             </a:fld>
             <a:endParaRPr lang="en-US" dirty="0"/>
           </a:p>
@@ -8210,7 +8183,7 @@
             <a:fld id="{B61BEF0D-F0BB-DE4B-95CE-6DB70DBA9567}" type="datetimeFigureOut">
               <a:rPr lang="en-US" dirty="0"/>
               <a:pPr/>
-              <a:t>4/21/2018</a:t>
+              <a:t>5/28/2018</a:t>
             </a:fld>
             <a:endParaRPr lang="en-US" dirty="0"/>
           </a:p>
@@ -8637,7 +8610,7 @@
             <a:fld id="{B61BEF0D-F0BB-DE4B-95CE-6DB70DBA9567}" type="datetimeFigureOut">
               <a:rPr lang="en-US" dirty="0"/>
               <a:pPr/>
-              <a:t>4/21/2018</a:t>
+              <a:t>5/28/2018</a:t>
             </a:fld>
             <a:endParaRPr lang="en-US" dirty="0"/>
           </a:p>
@@ -8752,7 +8725,7 @@
             <a:fld id="{B61BEF0D-F0BB-DE4B-95CE-6DB70DBA9567}" type="datetimeFigureOut">
               <a:rPr lang="en-US" dirty="0"/>
               <a:pPr/>
-              <a:t>4/21/2018</a:t>
+              <a:t>5/28/2018</a:t>
             </a:fld>
             <a:endParaRPr lang="en-US" dirty="0"/>
           </a:p>
@@ -8844,7 +8817,7 @@
             <a:fld id="{B61BEF0D-F0BB-DE4B-95CE-6DB70DBA9567}" type="datetimeFigureOut">
               <a:rPr lang="en-US" dirty="0"/>
               <a:pPr/>
-              <a:t>4/21/2018</a:t>
+              <a:t>5/28/2018</a:t>
             </a:fld>
             <a:endParaRPr lang="en-US" dirty="0"/>
           </a:p>
@@ -9124,7 +9097,7 @@
             <a:fld id="{B61BEF0D-F0BB-DE4B-95CE-6DB70DBA9567}" type="datetimeFigureOut">
               <a:rPr lang="en-US" dirty="0"/>
               <a:pPr/>
-              <a:t>4/21/2018</a:t>
+              <a:t>5/28/2018</a:t>
             </a:fld>
             <a:endParaRPr lang="en-US" dirty="0"/>
           </a:p>
@@ -9412,7 +9385,7 @@
             <a:fld id="{B61BEF0D-F0BB-DE4B-95CE-6DB70DBA9567}" type="datetimeFigureOut">
               <a:rPr lang="en-US" dirty="0"/>
               <a:pPr/>
-              <a:t>4/21/2018</a:t>
+              <a:t>5/28/2018</a:t>
             </a:fld>
             <a:endParaRPr lang="en-US" dirty="0"/>
           </a:p>
@@ -9640,7 +9613,7 @@
             <a:fld id="{B61BEF0D-F0BB-DE4B-95CE-6DB70DBA9567}" type="datetimeFigureOut">
               <a:rPr lang="en-US" dirty="0"/>
               <a:pPr/>
-              <a:t>4/21/2018</a:t>
+              <a:t>5/28/2018</a:t>
             </a:fld>
             <a:endParaRPr lang="en-US" dirty="0"/>
           </a:p>
@@ -14868,17 +14841,6 @@
               <a:t>Handles automatically x86 vs x64</a:t>
             </a:r>
           </a:p>
-          <a:p>
-            <a:r>
-              <a:rPr lang="en-AU" sz="2400" dirty="0">
-                <a:effectLst/>
-              </a:rPr>
-              <a:t>You need available memory</a:t>
-            </a:r>
-          </a:p>
-          <a:p>
-            <a:endParaRPr lang="en-AU" sz="2400" dirty="0"/>
-          </a:p>
         </p:txBody>
       </p:sp>
     </p:spTree>
@@ -15966,20 +15928,6 @@
               </a:rPr>
               <a:t>or store them as artefacts (Keep builds around)</a:t>
             </a:r>
-          </a:p>
-          <a:p>
-            <a:r>
-              <a:rPr lang="en-AU" sz="2400" dirty="0">
-                <a:effectLst/>
-              </a:rPr>
-              <a:t>Know which build is running in prod</a:t>
-            </a:r>
-            <a:endParaRPr lang="en-AU" sz="5400" dirty="0">
-              <a:solidFill>
-                <a:srgbClr val="FF0000"/>
-              </a:solidFill>
-              <a:effectLst/>
-            </a:endParaRPr>
           </a:p>
         </p:txBody>
       </p:sp>
